--- a/course plan.pptx
+++ b/course plan.pptx
@@ -264,7 +264,7 @@
               <a:pPr>
                 <a:defRPr/>
               </a:pPr>
-              <a:t>8/29/20</a:t>
+              <a:t>9/25/20</a:t>
             </a:fld>
             <a:endParaRPr lang="en-US"/>
           </a:p>
@@ -488,7 +488,7 @@
               <a:pPr>
                 <a:defRPr/>
               </a:pPr>
-              <a:t>8/29/20</a:t>
+              <a:t>9/25/20</a:t>
             </a:fld>
             <a:endParaRPr lang="en-US"/>
           </a:p>
@@ -965,7 +965,7 @@
           <a:p>
             <a:fld id="{42F5AA85-F828-C146-98D2-6F9FB161075A}" type="datetimeFigureOut">
               <a:rPr lang="en-US" smtClean="0"/>
-              <a:t>8/29/20</a:t>
+              <a:t>9/25/20</a:t>
             </a:fld>
             <a:endParaRPr lang="en-US"/>
           </a:p>
@@ -1165,7 +1165,7 @@
           <a:p>
             <a:fld id="{42F5AA85-F828-C146-98D2-6F9FB161075A}" type="datetimeFigureOut">
               <a:rPr lang="en-US" smtClean="0"/>
-              <a:t>8/29/20</a:t>
+              <a:t>9/25/20</a:t>
             </a:fld>
             <a:endParaRPr lang="en-US"/>
           </a:p>
@@ -1375,7 +1375,7 @@
           <a:p>
             <a:fld id="{42F5AA85-F828-C146-98D2-6F9FB161075A}" type="datetimeFigureOut">
               <a:rPr lang="en-US" smtClean="0"/>
-              <a:t>8/29/20</a:t>
+              <a:t>9/25/20</a:t>
             </a:fld>
             <a:endParaRPr lang="en-US"/>
           </a:p>
@@ -1776,7 +1776,7 @@
           <a:p>
             <a:fld id="{42F5AA85-F828-C146-98D2-6F9FB161075A}" type="datetimeFigureOut">
               <a:rPr lang="en-US" smtClean="0"/>
-              <a:t>8/29/20</a:t>
+              <a:t>9/25/20</a:t>
             </a:fld>
             <a:endParaRPr lang="en-US"/>
           </a:p>
@@ -2053,7 +2053,7 @@
           <a:p>
             <a:fld id="{42F5AA85-F828-C146-98D2-6F9FB161075A}" type="datetimeFigureOut">
               <a:rPr lang="en-US" smtClean="0"/>
-              <a:t>8/29/20</a:t>
+              <a:t>9/25/20</a:t>
             </a:fld>
             <a:endParaRPr lang="en-US"/>
           </a:p>
@@ -2320,7 +2320,7 @@
           <a:p>
             <a:fld id="{42F5AA85-F828-C146-98D2-6F9FB161075A}" type="datetimeFigureOut">
               <a:rPr lang="en-US" smtClean="0"/>
-              <a:t>8/29/20</a:t>
+              <a:t>9/25/20</a:t>
             </a:fld>
             <a:endParaRPr lang="en-US"/>
           </a:p>
@@ -2734,7 +2734,7 @@
           <a:p>
             <a:fld id="{42F5AA85-F828-C146-98D2-6F9FB161075A}" type="datetimeFigureOut">
               <a:rPr lang="en-US" smtClean="0"/>
-              <a:t>8/29/20</a:t>
+              <a:t>9/25/20</a:t>
             </a:fld>
             <a:endParaRPr lang="en-US"/>
           </a:p>
@@ -2877,7 +2877,7 @@
           <a:p>
             <a:fld id="{42F5AA85-F828-C146-98D2-6F9FB161075A}" type="datetimeFigureOut">
               <a:rPr lang="en-US" smtClean="0"/>
-              <a:t>8/29/20</a:t>
+              <a:t>9/25/20</a:t>
             </a:fld>
             <a:endParaRPr lang="en-US"/>
           </a:p>
@@ -2992,7 +2992,7 @@
           <a:p>
             <a:fld id="{42F5AA85-F828-C146-98D2-6F9FB161075A}" type="datetimeFigureOut">
               <a:rPr lang="en-US" smtClean="0"/>
-              <a:t>8/29/20</a:t>
+              <a:t>9/25/20</a:t>
             </a:fld>
             <a:endParaRPr lang="en-US"/>
           </a:p>
@@ -3305,7 +3305,7 @@
           <a:p>
             <a:fld id="{42F5AA85-F828-C146-98D2-6F9FB161075A}" type="datetimeFigureOut">
               <a:rPr lang="en-US" smtClean="0"/>
-              <a:t>8/29/20</a:t>
+              <a:t>9/25/20</a:t>
             </a:fld>
             <a:endParaRPr lang="en-US"/>
           </a:p>
@@ -3595,7 +3595,7 @@
           <a:p>
             <a:fld id="{42F5AA85-F828-C146-98D2-6F9FB161075A}" type="datetimeFigureOut">
               <a:rPr lang="en-US" smtClean="0"/>
-              <a:t>8/29/20</a:t>
+              <a:t>9/25/20</a:t>
             </a:fld>
             <a:endParaRPr lang="en-US"/>
           </a:p>
@@ -3838,7 +3838,7 @@
           <a:p>
             <a:fld id="{42F5AA85-F828-C146-98D2-6F9FB161075A}" type="datetimeFigureOut">
               <a:rPr lang="en-US" smtClean="0"/>
-              <a:t>8/29/20</a:t>
+              <a:t>9/25/20</a:t>
             </a:fld>
             <a:endParaRPr lang="en-US"/>
           </a:p>
@@ -5869,7 +5869,7 @@
         <p:spPr>
           <a:xfrm>
             <a:off x="542273" y="1136787"/>
-            <a:ext cx="8059453" cy="3139321"/>
+            <a:ext cx="8059453" cy="3693319"/>
           </a:xfrm>
           <a:prstGeom prst="rect">
             <a:avLst/>
@@ -5883,6 +5883,53 @@
           <a:p>
             <a:r>
               <a:rPr lang="en-US" dirty="0">
+                <a:latin typeface="Helvetica" pitchFamily="2" charset="0"/>
+              </a:rPr>
+              <a:t>Managing Notable Events</a:t>
+            </a:r>
+          </a:p>
+          <a:p>
+            <a:pPr lvl="1"/>
+            <a:r>
+              <a:rPr lang="en-US" dirty="0">
+                <a:latin typeface="Helvetica" pitchFamily="2" charset="0"/>
+              </a:rPr>
+              <a:t>● Define key notable events terms and their relationships</a:t>
+            </a:r>
+          </a:p>
+          <a:p>
+            <a:pPr lvl="1"/>
+            <a:r>
+              <a:rPr lang="en-US">
+                <a:latin typeface="Helvetica" pitchFamily="2" charset="0"/>
+              </a:rPr>
+              <a:t>● </a:t>
+            </a:r>
+            <a:r>
+              <a:rPr lang="en-US" dirty="0">
+                <a:latin typeface="Helvetica" pitchFamily="2" charset="0"/>
+              </a:rPr>
+              <a:t>Describe the notable events workflow</a:t>
+            </a:r>
+          </a:p>
+          <a:p>
+            <a:pPr lvl="1"/>
+            <a:r>
+              <a:rPr lang="en-US" dirty="0">
+                <a:latin typeface="Helvetica" pitchFamily="2" charset="0"/>
+              </a:rPr>
+              <a:t>● Work with notable events</a:t>
+            </a:r>
+          </a:p>
+          <a:p>
+            <a:endParaRPr lang="en-US" dirty="0">
+              <a:effectLst/>
+              <a:latin typeface="Helvetica" pitchFamily="2" charset="0"/>
+            </a:endParaRPr>
+          </a:p>
+          <a:p>
+            <a:r>
+              <a:rPr lang="en-US" dirty="0">
                 <a:effectLst/>
                 <a:latin typeface="Helvetica" pitchFamily="2" charset="0"/>
               </a:rPr>
@@ -5924,35 +5971,6 @@
               <a:effectLst/>
               <a:latin typeface="Helvetica" pitchFamily="2" charset="0"/>
             </a:endParaRPr>
-          </a:p>
-          <a:p>
-            <a:r>
-              <a:rPr lang="en-US" dirty="0">
-                <a:effectLst/>
-                <a:latin typeface="Helvetica" pitchFamily="2" charset="0"/>
-              </a:rPr>
-              <a:t>Aggregation Policies</a:t>
-            </a:r>
-          </a:p>
-          <a:p>
-            <a:pPr lvl="1"/>
-            <a:r>
-              <a:rPr lang="en-US" dirty="0">
-                <a:effectLst/>
-                <a:latin typeface="Helvetica" pitchFamily="2" charset="0"/>
-              </a:rPr>
-              <a:t>● Create new aggregation policies</a:t>
-            </a:r>
-          </a:p>
-          <a:p>
-            <a:pPr lvl="1"/>
-            <a:r>
-              <a:rPr lang="en-US" dirty="0">
-                <a:effectLst/>
-                <a:latin typeface="Helvetica" pitchFamily="2" charset="0"/>
-              </a:rPr>
-              <a:t>● Use smart mode</a:t>
-            </a:r>
           </a:p>
           <a:p>
             <a:endParaRPr lang="en-US" dirty="0">
@@ -6075,7 +6093,7 @@
         <p:spPr>
           <a:xfrm>
             <a:off x="536171" y="1180403"/>
-            <a:ext cx="6309691" cy="3970318"/>
+            <a:ext cx="6309691" cy="3139321"/>
           </a:xfrm>
           <a:prstGeom prst="rect">
             <a:avLst/>
@@ -6089,54 +6107,34 @@
           <a:p>
             <a:r>
               <a:rPr lang="en-US" dirty="0">
-                <a:effectLst/>
                 <a:latin typeface="Helvetica" pitchFamily="2" charset="0"/>
               </a:rPr>
-              <a:t>Managing Notable Events</a:t>
+              <a:t>Aggregation Policies</a:t>
             </a:r>
           </a:p>
           <a:p>
             <a:pPr lvl="1"/>
             <a:r>
               <a:rPr lang="en-US" dirty="0">
-                <a:effectLst/>
                 <a:latin typeface="Helvetica" pitchFamily="2" charset="0"/>
               </a:rPr>
-              <a:t>● Define key notable events terms and their relationships</a:t>
+              <a:t>● Create new aggregation policies</a:t>
             </a:r>
           </a:p>
           <a:p>
             <a:pPr lvl="1"/>
             <a:r>
               <a:rPr lang="en-US" dirty="0">
-                <a:effectLst/>
                 <a:latin typeface="Helvetica" pitchFamily="2" charset="0"/>
               </a:rPr>
-              <a:t>● Describe examples of multi-KPI alerts</a:t>
-            </a:r>
-          </a:p>
-          <a:p>
-            <a:pPr lvl="1"/>
-            <a:r>
-              <a:rPr lang="en-US" dirty="0">
-                <a:effectLst/>
-                <a:latin typeface="Helvetica" pitchFamily="2" charset="0"/>
-              </a:rPr>
-              <a:t>● Describe the notable events workflow</a:t>
-            </a:r>
-          </a:p>
-          <a:p>
-            <a:pPr lvl="1"/>
-            <a:r>
-              <a:rPr lang="en-US" dirty="0">
-                <a:effectLst/>
-                <a:latin typeface="Helvetica" pitchFamily="2" charset="0"/>
-              </a:rPr>
-              <a:t>● Work with notable events</a:t>
-            </a:r>
-          </a:p>
-          <a:p>
-            <a:pPr lvl="1"/>
+              <a:t>● Use smart mode</a:t>
+            </a:r>
+            <a:endParaRPr lang="en-US" dirty="0">
+              <a:effectLst/>
+              <a:latin typeface="Helvetica" pitchFamily="2" charset="0"/>
+            </a:endParaRPr>
+          </a:p>
+          <a:p>
             <a:endParaRPr lang="en-US" dirty="0">
               <a:effectLst/>
               <a:latin typeface="Helvetica" pitchFamily="2" charset="0"/>

--- a/course plan.pptx
+++ b/course plan.pptx
@@ -264,7 +264,7 @@
               <a:pPr>
                 <a:defRPr/>
               </a:pPr>
-              <a:t>9/25/20</a:t>
+              <a:t>10/11/20</a:t>
             </a:fld>
             <a:endParaRPr lang="en-US"/>
           </a:p>
@@ -488,7 +488,7 @@
               <a:pPr>
                 <a:defRPr/>
               </a:pPr>
-              <a:t>9/25/20</a:t>
+              <a:t>10/11/20</a:t>
             </a:fld>
             <a:endParaRPr lang="en-US"/>
           </a:p>
@@ -965,7 +965,7 @@
           <a:p>
             <a:fld id="{42F5AA85-F828-C146-98D2-6F9FB161075A}" type="datetimeFigureOut">
               <a:rPr lang="en-US" smtClean="0"/>
-              <a:t>9/25/20</a:t>
+              <a:t>10/11/20</a:t>
             </a:fld>
             <a:endParaRPr lang="en-US"/>
           </a:p>
@@ -1165,7 +1165,7 @@
           <a:p>
             <a:fld id="{42F5AA85-F828-C146-98D2-6F9FB161075A}" type="datetimeFigureOut">
               <a:rPr lang="en-US" smtClean="0"/>
-              <a:t>9/25/20</a:t>
+              <a:t>10/11/20</a:t>
             </a:fld>
             <a:endParaRPr lang="en-US"/>
           </a:p>
@@ -1375,7 +1375,7 @@
           <a:p>
             <a:fld id="{42F5AA85-F828-C146-98D2-6F9FB161075A}" type="datetimeFigureOut">
               <a:rPr lang="en-US" smtClean="0"/>
-              <a:t>9/25/20</a:t>
+              <a:t>10/11/20</a:t>
             </a:fld>
             <a:endParaRPr lang="en-US"/>
           </a:p>
@@ -1776,7 +1776,7 @@
           <a:p>
             <a:fld id="{42F5AA85-F828-C146-98D2-6F9FB161075A}" type="datetimeFigureOut">
               <a:rPr lang="en-US" smtClean="0"/>
-              <a:t>9/25/20</a:t>
+              <a:t>10/11/20</a:t>
             </a:fld>
             <a:endParaRPr lang="en-US"/>
           </a:p>
@@ -2053,7 +2053,7 @@
           <a:p>
             <a:fld id="{42F5AA85-F828-C146-98D2-6F9FB161075A}" type="datetimeFigureOut">
               <a:rPr lang="en-US" smtClean="0"/>
-              <a:t>9/25/20</a:t>
+              <a:t>10/11/20</a:t>
             </a:fld>
             <a:endParaRPr lang="en-US"/>
           </a:p>
@@ -2320,7 +2320,7 @@
           <a:p>
             <a:fld id="{42F5AA85-F828-C146-98D2-6F9FB161075A}" type="datetimeFigureOut">
               <a:rPr lang="en-US" smtClean="0"/>
-              <a:t>9/25/20</a:t>
+              <a:t>10/11/20</a:t>
             </a:fld>
             <a:endParaRPr lang="en-US"/>
           </a:p>
@@ -2734,7 +2734,7 @@
           <a:p>
             <a:fld id="{42F5AA85-F828-C146-98D2-6F9FB161075A}" type="datetimeFigureOut">
               <a:rPr lang="en-US" smtClean="0"/>
-              <a:t>9/25/20</a:t>
+              <a:t>10/11/20</a:t>
             </a:fld>
             <a:endParaRPr lang="en-US"/>
           </a:p>
@@ -2877,7 +2877,7 @@
           <a:p>
             <a:fld id="{42F5AA85-F828-C146-98D2-6F9FB161075A}" type="datetimeFigureOut">
               <a:rPr lang="en-US" smtClean="0"/>
-              <a:t>9/25/20</a:t>
+              <a:t>10/11/20</a:t>
             </a:fld>
             <a:endParaRPr lang="en-US"/>
           </a:p>
@@ -2992,7 +2992,7 @@
           <a:p>
             <a:fld id="{42F5AA85-F828-C146-98D2-6F9FB161075A}" type="datetimeFigureOut">
               <a:rPr lang="en-US" smtClean="0"/>
-              <a:t>9/25/20</a:t>
+              <a:t>10/11/20</a:t>
             </a:fld>
             <a:endParaRPr lang="en-US"/>
           </a:p>
@@ -3305,7 +3305,7 @@
           <a:p>
             <a:fld id="{42F5AA85-F828-C146-98D2-6F9FB161075A}" type="datetimeFigureOut">
               <a:rPr lang="en-US" smtClean="0"/>
-              <a:t>9/25/20</a:t>
+              <a:t>10/11/20</a:t>
             </a:fld>
             <a:endParaRPr lang="en-US"/>
           </a:p>
@@ -3595,7 +3595,7 @@
           <a:p>
             <a:fld id="{42F5AA85-F828-C146-98D2-6F9FB161075A}" type="datetimeFigureOut">
               <a:rPr lang="en-US" smtClean="0"/>
-              <a:t>9/25/20</a:t>
+              <a:t>10/11/20</a:t>
             </a:fld>
             <a:endParaRPr lang="en-US"/>
           </a:p>
@@ -3838,7 +3838,7 @@
           <a:p>
             <a:fld id="{42F5AA85-F828-C146-98D2-6F9FB161075A}" type="datetimeFigureOut">
               <a:rPr lang="en-US" smtClean="0"/>
-              <a:t>9/25/20</a:t>
+              <a:t>10/11/20</a:t>
             </a:fld>
             <a:endParaRPr lang="en-US"/>
           </a:p>
@@ -4697,7 +4697,7 @@
         <p:spPr>
           <a:xfrm>
             <a:off x="509583" y="999606"/>
-            <a:ext cx="7930410" cy="2585323"/>
+            <a:ext cx="7930410" cy="3139321"/>
           </a:xfrm>
           <a:prstGeom prst="rect">
             <a:avLst/>
@@ -4739,7 +4739,35 @@
                 <a:effectLst/>
                 <a:latin typeface="Helvetica" pitchFamily="2" charset="0"/>
               </a:rPr>
-              <a:t>● Add custom data to an ITSI deployment</a:t>
+              <a:t>● Add custom data to an </a:t>
+            </a:r>
+            <a:r>
+              <a:rPr lang="en-US">
+                <a:effectLst/>
+                <a:latin typeface="Helvetica" pitchFamily="2" charset="0"/>
+              </a:rPr>
+              <a:t>ITSI deploymen</a:t>
+            </a:r>
+            <a:r>
+              <a:rPr lang="en-US">
+                <a:latin typeface="Helvetica" pitchFamily="2" charset="0"/>
+              </a:rPr>
+              <a:t>t</a:t>
+            </a:r>
+          </a:p>
+          <a:p>
+            <a:pPr lvl="1"/>
+            <a:endParaRPr lang="en-US" dirty="0">
+              <a:latin typeface="Helvetica" pitchFamily="2" charset="0"/>
+            </a:endParaRPr>
+          </a:p>
+          <a:p>
+            <a:r>
+              <a:rPr lang="en-US" dirty="0">
+                <a:effectLst/>
+                <a:latin typeface="Helvetica" pitchFamily="2" charset="0"/>
+              </a:rPr>
+              <a:t>Creating custom actions</a:t>
             </a:r>
           </a:p>
           <a:p>
